--- a/docs/diagrams/WhiteBlackDiagrams/UndoRedoNewCommand3StackDiagram.pptx
+++ b/docs/diagrams/WhiteBlackDiagrams/UndoRedoNewCommand3StackDiagram.pptx
@@ -3347,6 +3347,236 @@
           <a:chExt cx="0" cy="0"/>
         </a:xfrm>
       </p:grpSpPr>
+      <p:sp>
+        <p:nvSpPr>
+          <p:cNvPr id="43" name="TextBox 42">
+            <a:extLst>
+              <a:ext uri="{FF2B5EF4-FFF2-40B4-BE49-F238E27FC236}">
+                <a16:creationId xmlns:a16="http://schemas.microsoft.com/office/drawing/2014/main" id="{7C81D8A5-64FA-43CA-A840-AD5956B10767}"/>
+              </a:ext>
+            </a:extLst>
+          </p:cNvPr>
+          <p:cNvSpPr txBox="1"/>
+          <p:nvPr/>
+        </p:nvSpPr>
+        <p:spPr>
+          <a:xfrm>
+            <a:off x="-62383" y="3903640"/>
+            <a:ext cx="2463069" cy="365972"/>
+          </a:xfrm>
+          <a:prstGeom prst="rect">
+            <a:avLst/>
+          </a:prstGeom>
+          <a:noFill/>
+        </p:spPr>
+        <p:txBody>
+          <a:bodyPr wrap="square" rtlCol="0">
+            <a:spAutoFit/>
+          </a:bodyPr>
+          <a:lstStyle/>
+          <a:p>
+            <a:pPr algn="ctr"/>
+            <a:r>
+              <a:rPr lang="en-SG" dirty="0" err="1">
+                <a:latin typeface="Consolas" panose="020B0609020204030204" pitchFamily="49" charset="0"/>
+              </a:rPr>
+              <a:t>undoStack</a:t>
+            </a:r>
+            <a:endParaRPr lang="en-SG" dirty="0">
+              <a:latin typeface="Consolas" panose="020B0609020204030204" pitchFamily="49" charset="0"/>
+            </a:endParaRPr>
+          </a:p>
+        </p:txBody>
+      </p:sp>
+      <p:sp>
+        <p:nvSpPr>
+          <p:cNvPr id="44" name="TextBox 43">
+            <a:extLst>
+              <a:ext uri="{FF2B5EF4-FFF2-40B4-BE49-F238E27FC236}">
+                <a16:creationId xmlns:a16="http://schemas.microsoft.com/office/drawing/2014/main" id="{FC697F45-641B-485D-883D-A42801488B09}"/>
+              </a:ext>
+            </a:extLst>
+          </p:cNvPr>
+          <p:cNvSpPr txBox="1"/>
+          <p:nvPr/>
+        </p:nvSpPr>
+        <p:spPr>
+          <a:xfrm>
+            <a:off x="2520692" y="3900280"/>
+            <a:ext cx="2458129" cy="369332"/>
+          </a:xfrm>
+          <a:prstGeom prst="rect">
+            <a:avLst/>
+          </a:prstGeom>
+          <a:noFill/>
+        </p:spPr>
+        <p:txBody>
+          <a:bodyPr wrap="square" rtlCol="0">
+            <a:spAutoFit/>
+          </a:bodyPr>
+          <a:lstStyle/>
+          <a:p>
+            <a:pPr algn="ctr"/>
+            <a:r>
+              <a:rPr lang="en-SG" dirty="0" err="1">
+                <a:latin typeface="Consolas" panose="020B0609020204030204" pitchFamily="49" charset="0"/>
+              </a:rPr>
+              <a:t>redoStack</a:t>
+            </a:r>
+            <a:endParaRPr lang="en-SG" dirty="0">
+              <a:latin typeface="Consolas" panose="020B0609020204030204" pitchFamily="49" charset="0"/>
+            </a:endParaRPr>
+          </a:p>
+        </p:txBody>
+      </p:sp>
+      <p:sp>
+        <p:nvSpPr>
+          <p:cNvPr id="45" name="Arrow: Right 44">
+            <a:extLst>
+              <a:ext uri="{FF2B5EF4-FFF2-40B4-BE49-F238E27FC236}">
+                <a16:creationId xmlns:a16="http://schemas.microsoft.com/office/drawing/2014/main" id="{2510217E-1317-499D-9028-76B1365F9ECC}"/>
+              </a:ext>
+            </a:extLst>
+          </p:cNvPr>
+          <p:cNvSpPr/>
+          <p:nvPr/>
+        </p:nvSpPr>
+        <p:spPr>
+          <a:xfrm>
+            <a:off x="5283333" y="2449859"/>
+            <a:ext cx="1903398" cy="1263192"/>
+          </a:xfrm>
+          <a:prstGeom prst="rightArrow">
+            <a:avLst/>
+          </a:prstGeom>
+          <a:noFill/>
+          <a:ln>
+            <a:solidFill>
+              <a:schemeClr val="tx1"/>
+            </a:solidFill>
+          </a:ln>
+        </p:spPr>
+        <p:style>
+          <a:lnRef idx="2">
+            <a:schemeClr val="accent1">
+              <a:shade val="50000"/>
+            </a:schemeClr>
+          </a:lnRef>
+          <a:fillRef idx="1">
+            <a:schemeClr val="accent1"/>
+          </a:fillRef>
+          <a:effectRef idx="0">
+            <a:schemeClr val="accent1"/>
+          </a:effectRef>
+          <a:fontRef idx="minor">
+            <a:schemeClr val="lt1"/>
+          </a:fontRef>
+        </p:style>
+        <p:txBody>
+          <a:bodyPr rtlCol="0" anchor="ctr"/>
+          <a:lstStyle/>
+          <a:p>
+            <a:pPr algn="ctr"/>
+            <a:r>
+              <a:rPr lang="en-SG">
+                <a:solidFill>
+                  <a:schemeClr val="tx1"/>
+                </a:solidFill>
+                <a:latin typeface="Consolas" panose="020B0609020204030204" pitchFamily="49" charset="0"/>
+              </a:rPr>
+              <a:t>list</a:t>
+            </a:r>
+            <a:endParaRPr lang="en-SG" dirty="0">
+              <a:solidFill>
+                <a:schemeClr val="tx1"/>
+              </a:solidFill>
+              <a:latin typeface="Consolas" panose="020B0609020204030204" pitchFamily="49" charset="0"/>
+            </a:endParaRPr>
+          </a:p>
+        </p:txBody>
+      </p:sp>
+      <p:sp>
+        <p:nvSpPr>
+          <p:cNvPr id="57" name="TextBox 56">
+            <a:extLst>
+              <a:ext uri="{FF2B5EF4-FFF2-40B4-BE49-F238E27FC236}">
+                <a16:creationId xmlns:a16="http://schemas.microsoft.com/office/drawing/2014/main" id="{B0B97786-43AA-465A-B0C2-C2BB0496C11A}"/>
+              </a:ext>
+            </a:extLst>
+          </p:cNvPr>
+          <p:cNvSpPr txBox="1"/>
+          <p:nvPr/>
+        </p:nvSpPr>
+        <p:spPr>
+          <a:xfrm>
+            <a:off x="7448062" y="3900280"/>
+            <a:ext cx="2463069" cy="365972"/>
+          </a:xfrm>
+          <a:prstGeom prst="rect">
+            <a:avLst/>
+          </a:prstGeom>
+          <a:noFill/>
+        </p:spPr>
+        <p:txBody>
+          <a:bodyPr wrap="square" rtlCol="0">
+            <a:spAutoFit/>
+          </a:bodyPr>
+          <a:lstStyle/>
+          <a:p>
+            <a:pPr algn="ctr"/>
+            <a:r>
+              <a:rPr lang="en-SG" dirty="0" err="1">
+                <a:latin typeface="Consolas" panose="020B0609020204030204" pitchFamily="49" charset="0"/>
+              </a:rPr>
+              <a:t>undoStack</a:t>
+            </a:r>
+            <a:endParaRPr lang="en-SG" dirty="0">
+              <a:latin typeface="Consolas" panose="020B0609020204030204" pitchFamily="49" charset="0"/>
+            </a:endParaRPr>
+          </a:p>
+        </p:txBody>
+      </p:sp>
+      <p:sp>
+        <p:nvSpPr>
+          <p:cNvPr id="58" name="TextBox 57">
+            <a:extLst>
+              <a:ext uri="{FF2B5EF4-FFF2-40B4-BE49-F238E27FC236}">
+                <a16:creationId xmlns:a16="http://schemas.microsoft.com/office/drawing/2014/main" id="{42FA7501-57DB-4681-88CB-AD262A77BE84}"/>
+              </a:ext>
+            </a:extLst>
+          </p:cNvPr>
+          <p:cNvSpPr txBox="1"/>
+          <p:nvPr/>
+        </p:nvSpPr>
+        <p:spPr>
+          <a:xfrm>
+            <a:off x="10031137" y="3896920"/>
+            <a:ext cx="2458129" cy="369332"/>
+          </a:xfrm>
+          <a:prstGeom prst="rect">
+            <a:avLst/>
+          </a:prstGeom>
+          <a:noFill/>
+        </p:spPr>
+        <p:txBody>
+          <a:bodyPr wrap="square" rtlCol="0">
+            <a:spAutoFit/>
+          </a:bodyPr>
+          <a:lstStyle/>
+          <a:p>
+            <a:pPr algn="ctr"/>
+            <a:r>
+              <a:rPr lang="en-SG" dirty="0" err="1">
+                <a:latin typeface="Consolas" panose="020B0609020204030204" pitchFamily="49" charset="0"/>
+              </a:rPr>
+              <a:t>redoStack</a:t>
+            </a:r>
+            <a:endParaRPr lang="en-SG" dirty="0">
+              <a:latin typeface="Consolas" panose="020B0609020204030204" pitchFamily="49" charset="0"/>
+            </a:endParaRPr>
+          </a:p>
+        </p:txBody>
+      </p:sp>
       <p:graphicFrame>
         <p:nvGraphicFramePr>
           <p:cNvPr id="59" name="Table 58">
@@ -3362,14 +3592,14 @@
           <p:nvPr>
             <p:extLst>
               <p:ext uri="{D42A27DB-BD31-4B8C-83A1-F6EECF244321}">
-                <p14:modId xmlns:p14="http://schemas.microsoft.com/office/powerpoint/2010/main" val="2947276495"/>
+                <p14:modId xmlns:p14="http://schemas.microsoft.com/office/powerpoint/2010/main" val="2242743243"/>
               </p:ext>
             </p:extLst>
           </p:nvPr>
         </p:nvGraphicFramePr>
         <p:xfrm>
-          <a:off x="7243454" y="2148897"/>
-          <a:ext cx="2157161" cy="670560"/>
+          <a:off x="7448062" y="1945830"/>
+          <a:ext cx="2317773" cy="731520"/>
         </p:xfrm>
         <a:graphic>
           <a:graphicData uri="http://schemas.openxmlformats.org/drawingml/2006/table">
@@ -3378,7 +3608,7 @@
                 <a:tableStyleId>{306799F8-075E-4A3A-A7F6-7FBC6576F1A4}</a:tableStyleId>
               </a:tblPr>
               <a:tblGrid>
-                <a:gridCol w="2157161">
+                <a:gridCol w="2317773">
                   <a:extLst>
                     <a:ext uri="{9D8B030D-6E8A-4147-A177-3AD203B41FA5}">
                       <a16:colId xmlns:a16="http://schemas.microsoft.com/office/drawing/2014/main" val="4240773277"/>
@@ -3386,21 +3616,21 @@
                   </a:extLst>
                 </a:gridCol>
               </a:tblGrid>
-              <a:tr h="329829">
+              <a:tr h="326391">
                 <a:tc>
                   <a:txBody>
                     <a:bodyPr/>
                     <a:lstStyle/>
                     <a:p>
                       <a:r>
-                        <a:rPr lang="en-SG" sz="1600" u="sng" dirty="0"/>
+                        <a:rPr lang="en-SG" u="sng" dirty="0"/>
                         <a:t>:</a:t>
                       </a:r>
                       <a:r>
-                        <a:rPr lang="en-SG" sz="1600" u="sng" dirty="0" err="1"/>
+                        <a:rPr lang="en-SG" u="sng" dirty="0" err="1"/>
                         <a:t>ClearCommand</a:t>
                       </a:r>
-                      <a:endParaRPr lang="en-SG" sz="1600" u="sng" dirty="0"/>
+                      <a:endParaRPr lang="en-SG" u="sng" dirty="0"/>
                     </a:p>
                   </a:txBody>
                   <a:tcPr/>
@@ -3411,17 +3641,20 @@
                   </a:ext>
                 </a:extLst>
               </a:tr>
-              <a:tr h="329829">
+              <a:tr h="326391">
                 <a:tc>
                   <a:txBody>
                     <a:bodyPr/>
                     <a:lstStyle/>
                     <a:p>
                       <a:r>
-                        <a:rPr lang="en-SG" sz="1600" dirty="0" err="1"/>
+                        <a:rPr lang="en-SG" dirty="0" err="1"/>
                         <a:t>prevCardBank</a:t>
                       </a:r>
-                      <a:endParaRPr lang="en-SG" sz="1600" dirty="0"/>
+                      <a:r>
+                        <a:rPr lang="en-SG" dirty="0"/>
+                        <a:t> = s1</a:t>
+                      </a:r>
                     </a:p>
                   </a:txBody>
                   <a:tcPr/>
@@ -3451,14 +3684,14 @@
           <p:nvPr>
             <p:extLst>
               <p:ext uri="{D42A27DB-BD31-4B8C-83A1-F6EECF244321}">
-                <p14:modId xmlns:p14="http://schemas.microsoft.com/office/powerpoint/2010/main" val="4001123886"/>
+                <p14:modId xmlns:p14="http://schemas.microsoft.com/office/powerpoint/2010/main" val="3287269471"/>
               </p:ext>
             </p:extLst>
           </p:nvPr>
         </p:nvGraphicFramePr>
         <p:xfrm>
-          <a:off x="7244203" y="2959963"/>
-          <a:ext cx="2178910" cy="914400"/>
+          <a:off x="7448810" y="2756896"/>
+          <a:ext cx="2341141" cy="1005840"/>
         </p:xfrm>
         <a:graphic>
           <a:graphicData uri="http://schemas.openxmlformats.org/drawingml/2006/table">
@@ -3467,7 +3700,7 @@
                 <a:tableStyleId>{306799F8-075E-4A3A-A7F6-7FBC6576F1A4}</a:tableStyleId>
               </a:tblPr>
               <a:tblGrid>
-                <a:gridCol w="2178910">
+                <a:gridCol w="2341141">
                   <a:extLst>
                     <a:ext uri="{9D8B030D-6E8A-4147-A177-3AD203B41FA5}">
                       <a16:colId xmlns:a16="http://schemas.microsoft.com/office/drawing/2014/main" val="4240773277"/>
@@ -3475,21 +3708,21 @@
                   </a:extLst>
                 </a:gridCol>
               </a:tblGrid>
-              <a:tr h="329828">
+              <a:tr h="326391">
                 <a:tc>
                   <a:txBody>
                     <a:bodyPr/>
                     <a:lstStyle/>
                     <a:p>
                       <a:r>
-                        <a:rPr lang="en-SG" sz="1600" u="sng" dirty="0"/>
+                        <a:rPr lang="en-SG" u="sng" dirty="0"/>
                         <a:t>:</a:t>
                       </a:r>
                       <a:r>
-                        <a:rPr lang="en-SG" sz="1600" u="sng" dirty="0" err="1"/>
+                        <a:rPr lang="en-SG" u="sng" dirty="0" err="1"/>
                         <a:t>DeleteCardCommand</a:t>
                       </a:r>
-                      <a:endParaRPr lang="en-SG" sz="1600" u="sng" dirty="0"/>
+                      <a:endParaRPr lang="en-SG" u="sng" dirty="0"/>
                     </a:p>
                   </a:txBody>
                   <a:tcPr/>
@@ -3500,28 +3733,28 @@
                   </a:ext>
                 </a:extLst>
               </a:tr>
-              <a:tr h="569704">
+              <a:tr h="326391">
                 <a:tc>
                   <a:txBody>
                     <a:bodyPr/>
                     <a:lstStyle/>
                     <a:p>
                       <a:r>
-                        <a:rPr lang="en-SG" sz="1600" dirty="0" err="1"/>
+                        <a:rPr lang="en-SG" dirty="0" err="1"/>
                         <a:t>targetIndex</a:t>
                       </a:r>
                       <a:r>
-                        <a:rPr lang="en-SG" sz="1600" dirty="0"/>
+                        <a:rPr lang="en-SG" dirty="0"/>
                         <a:t> = 5</a:t>
                       </a:r>
                     </a:p>
                     <a:p>
                       <a:r>
-                        <a:rPr lang="en-SG" sz="1600" dirty="0" err="1"/>
+                        <a:rPr lang="en-SG" dirty="0" err="1"/>
                         <a:t>prevCardBank</a:t>
                       </a:r>
                       <a:r>
-                        <a:rPr lang="en-SG" sz="1600" dirty="0"/>
+                        <a:rPr lang="en-SG" dirty="0"/>
                         <a:t> = s3</a:t>
                       </a:r>
                     </a:p>
@@ -3553,14 +3786,14 @@
           <p:nvPr>
             <p:extLst>
               <p:ext uri="{D42A27DB-BD31-4B8C-83A1-F6EECF244321}">
-                <p14:modId xmlns:p14="http://schemas.microsoft.com/office/powerpoint/2010/main" val="4215275590"/>
+                <p14:modId xmlns:p14="http://schemas.microsoft.com/office/powerpoint/2010/main" val="2077988158"/>
               </p:ext>
             </p:extLst>
           </p:nvPr>
         </p:nvGraphicFramePr>
         <p:xfrm>
-          <a:off x="231606" y="2136899"/>
-          <a:ext cx="2221147" cy="670560"/>
+          <a:off x="-95940" y="1945830"/>
+          <a:ext cx="2386523" cy="731520"/>
         </p:xfrm>
         <a:graphic>
           <a:graphicData uri="http://schemas.openxmlformats.org/drawingml/2006/table">
@@ -3569,7 +3802,7 @@
                 <a:tableStyleId>{306799F8-075E-4A3A-A7F6-7FBC6576F1A4}</a:tableStyleId>
               </a:tblPr>
               <a:tblGrid>
-                <a:gridCol w="2221147">
+                <a:gridCol w="2386523">
                   <a:extLst>
                     <a:ext uri="{9D8B030D-6E8A-4147-A177-3AD203B41FA5}">
                       <a16:colId xmlns:a16="http://schemas.microsoft.com/office/drawing/2014/main" val="4240773277"/>
@@ -3577,21 +3810,21 @@
                   </a:extLst>
                 </a:gridCol>
               </a:tblGrid>
-              <a:tr h="329829">
+              <a:tr h="326391">
                 <a:tc>
                   <a:txBody>
                     <a:bodyPr/>
                     <a:lstStyle/>
                     <a:p>
                       <a:r>
-                        <a:rPr lang="en-SG" sz="1600" u="sng" dirty="0"/>
+                        <a:rPr lang="en-SG" u="sng" dirty="0"/>
                         <a:t>:</a:t>
                       </a:r>
                       <a:r>
-                        <a:rPr lang="en-SG" sz="1600" u="sng" dirty="0" err="1"/>
+                        <a:rPr lang="en-SG" u="sng" dirty="0" err="1"/>
                         <a:t>ClearCommand</a:t>
                       </a:r>
-                      <a:endParaRPr lang="en-SG" sz="1600" u="sng" dirty="0"/>
+                      <a:endParaRPr lang="en-SG" u="sng" dirty="0"/>
                     </a:p>
                   </a:txBody>
                   <a:tcPr/>
@@ -3602,18 +3835,18 @@
                   </a:ext>
                 </a:extLst>
               </a:tr>
-              <a:tr h="329829">
+              <a:tr h="326391">
                 <a:tc>
                   <a:txBody>
                     <a:bodyPr/>
                     <a:lstStyle/>
                     <a:p>
                       <a:r>
-                        <a:rPr lang="en-SG" sz="1600" dirty="0" err="1"/>
+                        <a:rPr lang="en-SG" dirty="0" err="1"/>
                         <a:t>prevCardBank</a:t>
                       </a:r>
                       <a:r>
-                        <a:rPr lang="en-SG" sz="1600" dirty="0"/>
+                        <a:rPr lang="en-SG" dirty="0"/>
                         <a:t> = s1</a:t>
                       </a:r>
                     </a:p>
@@ -3645,14 +3878,14 @@
           <p:nvPr>
             <p:extLst>
               <p:ext uri="{D42A27DB-BD31-4B8C-83A1-F6EECF244321}">
-                <p14:modId xmlns:p14="http://schemas.microsoft.com/office/powerpoint/2010/main" val="628856988"/>
+                <p14:modId xmlns:p14="http://schemas.microsoft.com/office/powerpoint/2010/main" val="2649482417"/>
               </p:ext>
             </p:extLst>
           </p:nvPr>
         </p:nvGraphicFramePr>
         <p:xfrm>
-          <a:off x="232356" y="2947965"/>
-          <a:ext cx="2220450" cy="914400"/>
+          <a:off x="-95190" y="2756896"/>
+          <a:ext cx="2385774" cy="1005840"/>
         </p:xfrm>
         <a:graphic>
           <a:graphicData uri="http://schemas.openxmlformats.org/drawingml/2006/table">
@@ -3661,7 +3894,7 @@
                 <a:tableStyleId>{306799F8-075E-4A3A-A7F6-7FBC6576F1A4}</a:tableStyleId>
               </a:tblPr>
               <a:tblGrid>
-                <a:gridCol w="2220450">
+                <a:gridCol w="2385774">
                   <a:extLst>
                     <a:ext uri="{9D8B030D-6E8A-4147-A177-3AD203B41FA5}">
                       <a16:colId xmlns:a16="http://schemas.microsoft.com/office/drawing/2014/main" val="4240773277"/>
@@ -3669,21 +3902,21 @@
                   </a:extLst>
                 </a:gridCol>
               </a:tblGrid>
-              <a:tr h="329828">
+              <a:tr h="326391">
                 <a:tc>
                   <a:txBody>
                     <a:bodyPr/>
                     <a:lstStyle/>
                     <a:p>
                       <a:r>
-                        <a:rPr lang="en-SG" sz="1600" u="sng" dirty="0"/>
+                        <a:rPr lang="en-SG" u="sng" dirty="0"/>
                         <a:t>:</a:t>
                       </a:r>
                       <a:r>
-                        <a:rPr lang="en-SG" sz="1600" u="sng" dirty="0" err="1"/>
-                        <a:t>DeleteCardCommand</a:t>
+                        <a:rPr lang="en-SG" u="sng" dirty="0" err="1"/>
+                        <a:t>DeleteCommand</a:t>
                       </a:r>
-                      <a:endParaRPr lang="en-SG" sz="1600" u="sng" dirty="0"/>
+                      <a:endParaRPr lang="en-SG" u="sng" dirty="0"/>
                     </a:p>
                   </a:txBody>
                   <a:tcPr/>
@@ -3694,28 +3927,28 @@
                   </a:ext>
                 </a:extLst>
               </a:tr>
-              <a:tr h="569704">
+              <a:tr h="326391">
                 <a:tc>
                   <a:txBody>
                     <a:bodyPr/>
                     <a:lstStyle/>
                     <a:p>
                       <a:r>
-                        <a:rPr lang="en-SG" sz="1600" dirty="0" err="1"/>
+                        <a:rPr lang="en-SG" dirty="0" err="1"/>
                         <a:t>targetIndex</a:t>
                       </a:r>
                       <a:r>
-                        <a:rPr lang="en-SG" sz="1600" dirty="0"/>
+                        <a:rPr lang="en-SG" dirty="0"/>
                         <a:t> = 5</a:t>
                       </a:r>
                     </a:p>
                     <a:p>
                       <a:r>
-                        <a:rPr lang="en-SG" sz="1600" dirty="0" err="1"/>
+                        <a:rPr lang="en-SG" dirty="0" err="1"/>
                         <a:t>prevCardBank</a:t>
                       </a:r>
                       <a:r>
-                        <a:rPr lang="en-SG" sz="1600" dirty="0"/>
+                        <a:rPr lang="en-SG" dirty="0"/>
                         <a:t> = s3</a:t>
                       </a:r>
                     </a:p>
@@ -3732,605 +3965,374 @@
           </a:graphicData>
         </a:graphic>
       </p:graphicFrame>
-      <p:grpSp>
-        <p:nvGrpSpPr>
-          <p:cNvPr id="2" name="Group 1">
-            <a:extLst>
-              <a:ext uri="{FF2B5EF4-FFF2-40B4-BE49-F238E27FC236}">
-                <a16:creationId xmlns:a16="http://schemas.microsoft.com/office/drawing/2014/main" id="{B92B1E3F-FFC5-064E-8411-A12B9CC6832B}"/>
-              </a:ext>
-            </a:extLst>
-          </p:cNvPr>
-          <p:cNvGrpSpPr/>
+      <p:sp>
+        <p:nvSpPr>
+          <p:cNvPr id="23" name="Freeform 22"/>
+          <p:cNvSpPr/>
           <p:nvPr/>
-        </p:nvGrpSpPr>
-        <p:grpSpPr>
+        </p:nvSpPr>
+        <p:spPr>
           <a:xfrm>
-            <a:off x="106939" y="2074018"/>
-            <a:ext cx="11957682" cy="2347857"/>
-            <a:chOff x="-220607" y="1882949"/>
-            <a:chExt cx="12847992" cy="2386663"/>
+            <a:off x="7296981" y="1882949"/>
+            <a:ext cx="2621293" cy="1993839"/>
           </a:xfrm>
-        </p:grpSpPr>
-        <p:sp>
-          <p:nvSpPr>
-            <p:cNvPr id="43" name="TextBox 42">
-              <a:extLst>
-                <a:ext uri="{FF2B5EF4-FFF2-40B4-BE49-F238E27FC236}">
-                  <a16:creationId xmlns:a16="http://schemas.microsoft.com/office/drawing/2014/main" id="{7C81D8A5-64FA-43CA-A840-AD5956B10767}"/>
-                </a:ext>
-              </a:extLst>
-            </p:cNvPr>
-            <p:cNvSpPr txBox="1"/>
-            <p:nvPr/>
-          </p:nvSpPr>
-          <p:spPr>
-            <a:xfrm>
-              <a:off x="-62383" y="3903640"/>
-              <a:ext cx="2463069" cy="365972"/>
-            </a:xfrm>
-            <a:prstGeom prst="rect">
-              <a:avLst/>
-            </a:prstGeom>
-            <a:noFill/>
-          </p:spPr>
-          <p:txBody>
-            <a:bodyPr wrap="square" rtlCol="0">
-              <a:spAutoFit/>
-            </a:bodyPr>
-            <a:lstStyle/>
-            <a:p>
-              <a:pPr algn="ctr"/>
-              <a:r>
-                <a:rPr lang="en-SG" dirty="0" err="1">
-                  <a:latin typeface="Consolas" panose="020B0609020204030204" pitchFamily="49" charset="0"/>
-                </a:rPr>
-                <a:t>undoStack</a:t>
-              </a:r>
-              <a:endParaRPr lang="en-SG" dirty="0">
-                <a:latin typeface="Consolas" panose="020B0609020204030204" pitchFamily="49" charset="0"/>
-              </a:endParaRPr>
-            </a:p>
-          </p:txBody>
-        </p:sp>
-        <p:sp>
-          <p:nvSpPr>
-            <p:cNvPr id="44" name="TextBox 43">
-              <a:extLst>
-                <a:ext uri="{FF2B5EF4-FFF2-40B4-BE49-F238E27FC236}">
-                  <a16:creationId xmlns:a16="http://schemas.microsoft.com/office/drawing/2014/main" id="{FC697F45-641B-485D-883D-A42801488B09}"/>
-                </a:ext>
-              </a:extLst>
-            </p:cNvPr>
-            <p:cNvSpPr txBox="1"/>
-            <p:nvPr/>
-          </p:nvSpPr>
-          <p:spPr>
-            <a:xfrm>
-              <a:off x="2520692" y="3900280"/>
-              <a:ext cx="2458129" cy="369332"/>
-            </a:xfrm>
-            <a:prstGeom prst="rect">
-              <a:avLst/>
-            </a:prstGeom>
-            <a:noFill/>
-          </p:spPr>
-          <p:txBody>
-            <a:bodyPr wrap="square" rtlCol="0">
-              <a:spAutoFit/>
-            </a:bodyPr>
-            <a:lstStyle/>
-            <a:p>
-              <a:pPr algn="ctr"/>
-              <a:r>
-                <a:rPr lang="en-SG" dirty="0" err="1">
-                  <a:latin typeface="Consolas" panose="020B0609020204030204" pitchFamily="49" charset="0"/>
-                </a:rPr>
-                <a:t>redoStack</a:t>
-              </a:r>
-              <a:endParaRPr lang="en-SG" dirty="0">
-                <a:latin typeface="Consolas" panose="020B0609020204030204" pitchFamily="49" charset="0"/>
-              </a:endParaRPr>
-            </a:p>
-          </p:txBody>
-        </p:sp>
-        <p:sp>
-          <p:nvSpPr>
-            <p:cNvPr id="45" name="Arrow: Right 44">
-              <a:extLst>
-                <a:ext uri="{FF2B5EF4-FFF2-40B4-BE49-F238E27FC236}">
-                  <a16:creationId xmlns:a16="http://schemas.microsoft.com/office/drawing/2014/main" id="{2510217E-1317-499D-9028-76B1365F9ECC}"/>
-                </a:ext>
-              </a:extLst>
-            </p:cNvPr>
-            <p:cNvSpPr/>
-            <p:nvPr/>
-          </p:nvSpPr>
-          <p:spPr>
-            <a:xfrm>
-              <a:off x="5283333" y="2449859"/>
-              <a:ext cx="1903398" cy="1263192"/>
-            </a:xfrm>
-            <a:prstGeom prst="rightArrow">
-              <a:avLst/>
-            </a:prstGeom>
+          <a:custGeom>
+            <a:avLst/>
+            <a:gdLst>
+              <a:gd name="connsiteX0" fmla="*/ 0 w 2474752"/>
+              <a:gd name="connsiteY0" fmla="*/ 8389 h 2382474"/>
+              <a:gd name="connsiteX1" fmla="*/ 0 w 2474752"/>
+              <a:gd name="connsiteY1" fmla="*/ 2382474 h 2382474"/>
+              <a:gd name="connsiteX2" fmla="*/ 2474752 w 2474752"/>
+              <a:gd name="connsiteY2" fmla="*/ 2382474 h 2382474"/>
+              <a:gd name="connsiteX3" fmla="*/ 2474752 w 2474752"/>
+              <a:gd name="connsiteY3" fmla="*/ 0 h 2382474"/>
+            </a:gdLst>
+            <a:ahLst/>
+            <a:cxnLst>
+              <a:cxn ang="0">
+                <a:pos x="connsiteX0" y="connsiteY0"/>
+              </a:cxn>
+              <a:cxn ang="0">
+                <a:pos x="connsiteX1" y="connsiteY1"/>
+              </a:cxn>
+              <a:cxn ang="0">
+                <a:pos x="connsiteX2" y="connsiteY2"/>
+              </a:cxn>
+              <a:cxn ang="0">
+                <a:pos x="connsiteX3" y="connsiteY3"/>
+              </a:cxn>
+            </a:cxnLst>
+            <a:rect l="l" t="t" r="r" b="b"/>
+            <a:pathLst>
+              <a:path w="2474752" h="2382474">
+                <a:moveTo>
+                  <a:pt x="0" y="8389"/>
+                </a:moveTo>
+                <a:lnTo>
+                  <a:pt x="0" y="2382474"/>
+                </a:lnTo>
+                <a:lnTo>
+                  <a:pt x="2474752" y="2382474"/>
+                </a:lnTo>
+                <a:lnTo>
+                  <a:pt x="2474752" y="0"/>
+                </a:lnTo>
+              </a:path>
+            </a:pathLst>
+          </a:custGeom>
+          <a:noFill/>
+          <a:ln w="38100">
             <a:solidFill>
-              <a:schemeClr val="bg1"/>
+              <a:schemeClr val="tx1"/>
             </a:solidFill>
-            <a:ln>
+          </a:ln>
+        </p:spPr>
+        <p:style>
+          <a:lnRef idx="2">
+            <a:schemeClr val="accent1">
+              <a:shade val="50000"/>
+            </a:schemeClr>
+          </a:lnRef>
+          <a:fillRef idx="1">
+            <a:schemeClr val="accent1"/>
+          </a:fillRef>
+          <a:effectRef idx="0">
+            <a:schemeClr val="accent1"/>
+          </a:effectRef>
+          <a:fontRef idx="minor">
+            <a:schemeClr val="lt1"/>
+          </a:fontRef>
+        </p:style>
+        <p:txBody>
+          <a:bodyPr rtlCol="0" anchor="ctr"/>
+          <a:lstStyle/>
+          <a:p>
+            <a:pPr algn="ctr"/>
+            <a:endParaRPr lang="en-US">
               <a:solidFill>
                 <a:schemeClr val="tx1"/>
               </a:solidFill>
-            </a:ln>
-          </p:spPr>
-          <p:style>
-            <a:lnRef idx="2">
-              <a:schemeClr val="accent1">
-                <a:shade val="50000"/>
-              </a:schemeClr>
-            </a:lnRef>
-            <a:fillRef idx="1">
-              <a:schemeClr val="accent1"/>
-            </a:fillRef>
-            <a:effectRef idx="0">
-              <a:schemeClr val="accent1"/>
-            </a:effectRef>
-            <a:fontRef idx="minor">
-              <a:schemeClr val="lt1"/>
-            </a:fontRef>
-          </p:style>
-          <p:txBody>
-            <a:bodyPr rtlCol="0" anchor="ctr"/>
-            <a:lstStyle/>
-            <a:p>
-              <a:pPr algn="ctr"/>
-              <a:r>
-                <a:rPr lang="en-SG" dirty="0">
-                  <a:solidFill>
-                    <a:schemeClr val="tx1"/>
-                  </a:solidFill>
-                  <a:latin typeface="Consolas" panose="020B0609020204030204" pitchFamily="49" charset="0"/>
-                </a:rPr>
-                <a:t>list</a:t>
-              </a:r>
-            </a:p>
-          </p:txBody>
-        </p:sp>
-        <p:sp>
-          <p:nvSpPr>
-            <p:cNvPr id="57" name="TextBox 56">
-              <a:extLst>
-                <a:ext uri="{FF2B5EF4-FFF2-40B4-BE49-F238E27FC236}">
-                  <a16:creationId xmlns:a16="http://schemas.microsoft.com/office/drawing/2014/main" id="{B0B97786-43AA-465A-B0C2-C2BB0496C11A}"/>
-                </a:ext>
-              </a:extLst>
-            </p:cNvPr>
-            <p:cNvSpPr txBox="1"/>
-            <p:nvPr/>
-          </p:nvSpPr>
-          <p:spPr>
-            <a:xfrm>
-              <a:off x="7448062" y="3900280"/>
-              <a:ext cx="2463069" cy="365972"/>
-            </a:xfrm>
-            <a:prstGeom prst="rect">
-              <a:avLst/>
-            </a:prstGeom>
-            <a:noFill/>
-          </p:spPr>
-          <p:txBody>
-            <a:bodyPr wrap="square" rtlCol="0">
-              <a:spAutoFit/>
-            </a:bodyPr>
-            <a:lstStyle/>
-            <a:p>
-              <a:pPr algn="ctr"/>
-              <a:r>
-                <a:rPr lang="en-SG" dirty="0" err="1">
-                  <a:latin typeface="Consolas" panose="020B0609020204030204" pitchFamily="49" charset="0"/>
-                </a:rPr>
-                <a:t>undoStack</a:t>
-              </a:r>
-              <a:endParaRPr lang="en-SG" dirty="0">
-                <a:latin typeface="Consolas" panose="020B0609020204030204" pitchFamily="49" charset="0"/>
-              </a:endParaRPr>
-            </a:p>
-          </p:txBody>
-        </p:sp>
-        <p:sp>
-          <p:nvSpPr>
-            <p:cNvPr id="58" name="TextBox 57">
-              <a:extLst>
-                <a:ext uri="{FF2B5EF4-FFF2-40B4-BE49-F238E27FC236}">
-                  <a16:creationId xmlns:a16="http://schemas.microsoft.com/office/drawing/2014/main" id="{42FA7501-57DB-4681-88CB-AD262A77BE84}"/>
-                </a:ext>
-              </a:extLst>
-            </p:cNvPr>
-            <p:cNvSpPr txBox="1"/>
-            <p:nvPr/>
-          </p:nvSpPr>
-          <p:spPr>
-            <a:xfrm>
-              <a:off x="10031137" y="3896920"/>
-              <a:ext cx="2458129" cy="369332"/>
-            </a:xfrm>
-            <a:prstGeom prst="rect">
-              <a:avLst/>
-            </a:prstGeom>
-            <a:noFill/>
-          </p:spPr>
-          <p:txBody>
-            <a:bodyPr wrap="square" rtlCol="0">
-              <a:spAutoFit/>
-            </a:bodyPr>
-            <a:lstStyle/>
-            <a:p>
-              <a:pPr algn="ctr"/>
-              <a:r>
-                <a:rPr lang="en-SG" dirty="0" err="1">
-                  <a:latin typeface="Consolas" panose="020B0609020204030204" pitchFamily="49" charset="0"/>
-                </a:rPr>
-                <a:t>redoStack</a:t>
-              </a:r>
-              <a:endParaRPr lang="en-SG" dirty="0">
-                <a:latin typeface="Consolas" panose="020B0609020204030204" pitchFamily="49" charset="0"/>
-              </a:endParaRPr>
-            </a:p>
-          </p:txBody>
-        </p:sp>
-        <p:sp>
-          <p:nvSpPr>
-            <p:cNvPr id="23" name="Freeform 22"/>
-            <p:cNvSpPr/>
-            <p:nvPr/>
-          </p:nvSpPr>
-          <p:spPr>
-            <a:xfrm>
-              <a:off x="7296981" y="1882949"/>
-              <a:ext cx="2621293" cy="1993839"/>
-            </a:xfrm>
-            <a:custGeom>
-              <a:avLst/>
-              <a:gdLst>
-                <a:gd name="connsiteX0" fmla="*/ 0 w 2474752"/>
-                <a:gd name="connsiteY0" fmla="*/ 8389 h 2382474"/>
-                <a:gd name="connsiteX1" fmla="*/ 0 w 2474752"/>
-                <a:gd name="connsiteY1" fmla="*/ 2382474 h 2382474"/>
-                <a:gd name="connsiteX2" fmla="*/ 2474752 w 2474752"/>
-                <a:gd name="connsiteY2" fmla="*/ 2382474 h 2382474"/>
-                <a:gd name="connsiteX3" fmla="*/ 2474752 w 2474752"/>
-                <a:gd name="connsiteY3" fmla="*/ 0 h 2382474"/>
-              </a:gdLst>
-              <a:ahLst/>
-              <a:cxnLst>
-                <a:cxn ang="0">
-                  <a:pos x="connsiteX0" y="connsiteY0"/>
-                </a:cxn>
-                <a:cxn ang="0">
-                  <a:pos x="connsiteX1" y="connsiteY1"/>
-                </a:cxn>
-                <a:cxn ang="0">
-                  <a:pos x="connsiteX2" y="connsiteY2"/>
-                </a:cxn>
-                <a:cxn ang="0">
-                  <a:pos x="connsiteX3" y="connsiteY3"/>
-                </a:cxn>
-              </a:cxnLst>
-              <a:rect l="l" t="t" r="r" b="b"/>
-              <a:pathLst>
-                <a:path w="2474752" h="2382474">
-                  <a:moveTo>
-                    <a:pt x="0" y="8389"/>
-                  </a:moveTo>
-                  <a:lnTo>
-                    <a:pt x="0" y="2382474"/>
-                  </a:lnTo>
-                  <a:lnTo>
-                    <a:pt x="2474752" y="2382474"/>
-                  </a:lnTo>
-                  <a:lnTo>
-                    <a:pt x="2474752" y="0"/>
-                  </a:lnTo>
-                </a:path>
-              </a:pathLst>
-            </a:custGeom>
-            <a:noFill/>
-            <a:ln w="38100">
+            </a:endParaRPr>
+          </a:p>
+        </p:txBody>
+      </p:sp>
+      <p:sp>
+        <p:nvSpPr>
+          <p:cNvPr id="27" name="Freeform 26"/>
+          <p:cNvSpPr/>
+          <p:nvPr/>
+        </p:nvSpPr>
+        <p:spPr>
+          <a:xfrm>
+            <a:off x="10006092" y="1882949"/>
+            <a:ext cx="2621293" cy="1993839"/>
+          </a:xfrm>
+          <a:custGeom>
+            <a:avLst/>
+            <a:gdLst>
+              <a:gd name="connsiteX0" fmla="*/ 0 w 2474752"/>
+              <a:gd name="connsiteY0" fmla="*/ 8389 h 2382474"/>
+              <a:gd name="connsiteX1" fmla="*/ 0 w 2474752"/>
+              <a:gd name="connsiteY1" fmla="*/ 2382474 h 2382474"/>
+              <a:gd name="connsiteX2" fmla="*/ 2474752 w 2474752"/>
+              <a:gd name="connsiteY2" fmla="*/ 2382474 h 2382474"/>
+              <a:gd name="connsiteX3" fmla="*/ 2474752 w 2474752"/>
+              <a:gd name="connsiteY3" fmla="*/ 0 h 2382474"/>
+            </a:gdLst>
+            <a:ahLst/>
+            <a:cxnLst>
+              <a:cxn ang="0">
+                <a:pos x="connsiteX0" y="connsiteY0"/>
+              </a:cxn>
+              <a:cxn ang="0">
+                <a:pos x="connsiteX1" y="connsiteY1"/>
+              </a:cxn>
+              <a:cxn ang="0">
+                <a:pos x="connsiteX2" y="connsiteY2"/>
+              </a:cxn>
+              <a:cxn ang="0">
+                <a:pos x="connsiteX3" y="connsiteY3"/>
+              </a:cxn>
+            </a:cxnLst>
+            <a:rect l="l" t="t" r="r" b="b"/>
+            <a:pathLst>
+              <a:path w="2474752" h="2382474">
+                <a:moveTo>
+                  <a:pt x="0" y="8389"/>
+                </a:moveTo>
+                <a:lnTo>
+                  <a:pt x="0" y="2382474"/>
+                </a:lnTo>
+                <a:lnTo>
+                  <a:pt x="2474752" y="2382474"/>
+                </a:lnTo>
+                <a:lnTo>
+                  <a:pt x="2474752" y="0"/>
+                </a:lnTo>
+              </a:path>
+            </a:pathLst>
+          </a:custGeom>
+          <a:noFill/>
+          <a:ln w="38100">
+            <a:solidFill>
+              <a:schemeClr val="tx1"/>
+            </a:solidFill>
+          </a:ln>
+        </p:spPr>
+        <p:style>
+          <a:lnRef idx="2">
+            <a:schemeClr val="accent1">
+              <a:shade val="50000"/>
+            </a:schemeClr>
+          </a:lnRef>
+          <a:fillRef idx="1">
+            <a:schemeClr val="accent1"/>
+          </a:fillRef>
+          <a:effectRef idx="0">
+            <a:schemeClr val="accent1"/>
+          </a:effectRef>
+          <a:fontRef idx="minor">
+            <a:schemeClr val="lt1"/>
+          </a:fontRef>
+        </p:style>
+        <p:txBody>
+          <a:bodyPr rtlCol="0" anchor="ctr"/>
+          <a:lstStyle/>
+          <a:p>
+            <a:pPr algn="ctr"/>
+            <a:endParaRPr lang="en-US">
               <a:solidFill>
                 <a:schemeClr val="tx1"/>
               </a:solidFill>
-            </a:ln>
-          </p:spPr>
-          <p:style>
-            <a:lnRef idx="2">
-              <a:schemeClr val="accent1">
-                <a:shade val="50000"/>
-              </a:schemeClr>
-            </a:lnRef>
-            <a:fillRef idx="1">
-              <a:schemeClr val="accent1"/>
-            </a:fillRef>
-            <a:effectRef idx="0">
-              <a:schemeClr val="accent1"/>
-            </a:effectRef>
-            <a:fontRef idx="minor">
-              <a:schemeClr val="lt1"/>
-            </a:fontRef>
-          </p:style>
-          <p:txBody>
-            <a:bodyPr rtlCol="0" anchor="ctr"/>
-            <a:lstStyle/>
-            <a:p>
-              <a:pPr algn="ctr"/>
-              <a:endParaRPr lang="en-US"/>
-            </a:p>
-          </p:txBody>
-        </p:sp>
-        <p:sp>
-          <p:nvSpPr>
-            <p:cNvPr id="27" name="Freeform 26"/>
-            <p:cNvSpPr/>
-            <p:nvPr/>
-          </p:nvSpPr>
-          <p:spPr>
-            <a:xfrm>
-              <a:off x="10006092" y="1882949"/>
-              <a:ext cx="2621293" cy="1993839"/>
-            </a:xfrm>
-            <a:custGeom>
-              <a:avLst/>
-              <a:gdLst>
-                <a:gd name="connsiteX0" fmla="*/ 0 w 2474752"/>
-                <a:gd name="connsiteY0" fmla="*/ 8389 h 2382474"/>
-                <a:gd name="connsiteX1" fmla="*/ 0 w 2474752"/>
-                <a:gd name="connsiteY1" fmla="*/ 2382474 h 2382474"/>
-                <a:gd name="connsiteX2" fmla="*/ 2474752 w 2474752"/>
-                <a:gd name="connsiteY2" fmla="*/ 2382474 h 2382474"/>
-                <a:gd name="connsiteX3" fmla="*/ 2474752 w 2474752"/>
-                <a:gd name="connsiteY3" fmla="*/ 0 h 2382474"/>
-              </a:gdLst>
-              <a:ahLst/>
-              <a:cxnLst>
-                <a:cxn ang="0">
-                  <a:pos x="connsiteX0" y="connsiteY0"/>
-                </a:cxn>
-                <a:cxn ang="0">
-                  <a:pos x="connsiteX1" y="connsiteY1"/>
-                </a:cxn>
-                <a:cxn ang="0">
-                  <a:pos x="connsiteX2" y="connsiteY2"/>
-                </a:cxn>
-                <a:cxn ang="0">
-                  <a:pos x="connsiteX3" y="connsiteY3"/>
-                </a:cxn>
-              </a:cxnLst>
-              <a:rect l="l" t="t" r="r" b="b"/>
-              <a:pathLst>
-                <a:path w="2474752" h="2382474">
-                  <a:moveTo>
-                    <a:pt x="0" y="8389"/>
-                  </a:moveTo>
-                  <a:lnTo>
-                    <a:pt x="0" y="2382474"/>
-                  </a:lnTo>
-                  <a:lnTo>
-                    <a:pt x="2474752" y="2382474"/>
-                  </a:lnTo>
-                  <a:lnTo>
-                    <a:pt x="2474752" y="0"/>
-                  </a:lnTo>
-                </a:path>
-              </a:pathLst>
-            </a:custGeom>
-            <a:noFill/>
-            <a:ln w="38100">
+            </a:endParaRPr>
+          </a:p>
+        </p:txBody>
+      </p:sp>
+      <p:sp>
+        <p:nvSpPr>
+          <p:cNvPr id="29" name="Freeform 28"/>
+          <p:cNvSpPr/>
+          <p:nvPr/>
+        </p:nvSpPr>
+        <p:spPr>
+          <a:xfrm>
+            <a:off x="2493090" y="1882949"/>
+            <a:ext cx="2621293" cy="1993839"/>
+          </a:xfrm>
+          <a:custGeom>
+            <a:avLst/>
+            <a:gdLst>
+              <a:gd name="connsiteX0" fmla="*/ 0 w 2474752"/>
+              <a:gd name="connsiteY0" fmla="*/ 8389 h 2382474"/>
+              <a:gd name="connsiteX1" fmla="*/ 0 w 2474752"/>
+              <a:gd name="connsiteY1" fmla="*/ 2382474 h 2382474"/>
+              <a:gd name="connsiteX2" fmla="*/ 2474752 w 2474752"/>
+              <a:gd name="connsiteY2" fmla="*/ 2382474 h 2382474"/>
+              <a:gd name="connsiteX3" fmla="*/ 2474752 w 2474752"/>
+              <a:gd name="connsiteY3" fmla="*/ 0 h 2382474"/>
+            </a:gdLst>
+            <a:ahLst/>
+            <a:cxnLst>
+              <a:cxn ang="0">
+                <a:pos x="connsiteX0" y="connsiteY0"/>
+              </a:cxn>
+              <a:cxn ang="0">
+                <a:pos x="connsiteX1" y="connsiteY1"/>
+              </a:cxn>
+              <a:cxn ang="0">
+                <a:pos x="connsiteX2" y="connsiteY2"/>
+              </a:cxn>
+              <a:cxn ang="0">
+                <a:pos x="connsiteX3" y="connsiteY3"/>
+              </a:cxn>
+            </a:cxnLst>
+            <a:rect l="l" t="t" r="r" b="b"/>
+            <a:pathLst>
+              <a:path w="2474752" h="2382474">
+                <a:moveTo>
+                  <a:pt x="0" y="8389"/>
+                </a:moveTo>
+                <a:lnTo>
+                  <a:pt x="0" y="2382474"/>
+                </a:lnTo>
+                <a:lnTo>
+                  <a:pt x="2474752" y="2382474"/>
+                </a:lnTo>
+                <a:lnTo>
+                  <a:pt x="2474752" y="0"/>
+                </a:lnTo>
+              </a:path>
+            </a:pathLst>
+          </a:custGeom>
+          <a:noFill/>
+          <a:ln w="38100">
+            <a:solidFill>
+              <a:schemeClr val="tx1"/>
+            </a:solidFill>
+          </a:ln>
+        </p:spPr>
+        <p:style>
+          <a:lnRef idx="2">
+            <a:schemeClr val="accent1">
+              <a:shade val="50000"/>
+            </a:schemeClr>
+          </a:lnRef>
+          <a:fillRef idx="1">
+            <a:schemeClr val="accent1"/>
+          </a:fillRef>
+          <a:effectRef idx="0">
+            <a:schemeClr val="accent1"/>
+          </a:effectRef>
+          <a:fontRef idx="minor">
+            <a:schemeClr val="lt1"/>
+          </a:fontRef>
+        </p:style>
+        <p:txBody>
+          <a:bodyPr rtlCol="0" anchor="ctr"/>
+          <a:lstStyle/>
+          <a:p>
+            <a:pPr algn="ctr"/>
+            <a:endParaRPr lang="en-US">
               <a:solidFill>
                 <a:schemeClr val="tx1"/>
               </a:solidFill>
-            </a:ln>
-          </p:spPr>
-          <p:style>
-            <a:lnRef idx="2">
-              <a:schemeClr val="accent1">
-                <a:shade val="50000"/>
-              </a:schemeClr>
-            </a:lnRef>
-            <a:fillRef idx="1">
-              <a:schemeClr val="accent1"/>
-            </a:fillRef>
-            <a:effectRef idx="0">
-              <a:schemeClr val="accent1"/>
-            </a:effectRef>
-            <a:fontRef idx="minor">
-              <a:schemeClr val="lt1"/>
-            </a:fontRef>
-          </p:style>
-          <p:txBody>
-            <a:bodyPr rtlCol="0" anchor="ctr"/>
-            <a:lstStyle/>
-            <a:p>
-              <a:pPr algn="ctr"/>
-              <a:endParaRPr lang="en-US"/>
-            </a:p>
-          </p:txBody>
-        </p:sp>
-        <p:sp>
-          <p:nvSpPr>
-            <p:cNvPr id="29" name="Freeform 28"/>
-            <p:cNvSpPr/>
-            <p:nvPr/>
-          </p:nvSpPr>
-          <p:spPr>
-            <a:xfrm>
-              <a:off x="2493090" y="1882949"/>
-              <a:ext cx="2621293" cy="1993839"/>
-            </a:xfrm>
-            <a:custGeom>
-              <a:avLst/>
-              <a:gdLst>
-                <a:gd name="connsiteX0" fmla="*/ 0 w 2474752"/>
-                <a:gd name="connsiteY0" fmla="*/ 8389 h 2382474"/>
-                <a:gd name="connsiteX1" fmla="*/ 0 w 2474752"/>
-                <a:gd name="connsiteY1" fmla="*/ 2382474 h 2382474"/>
-                <a:gd name="connsiteX2" fmla="*/ 2474752 w 2474752"/>
-                <a:gd name="connsiteY2" fmla="*/ 2382474 h 2382474"/>
-                <a:gd name="connsiteX3" fmla="*/ 2474752 w 2474752"/>
-                <a:gd name="connsiteY3" fmla="*/ 0 h 2382474"/>
-              </a:gdLst>
-              <a:ahLst/>
-              <a:cxnLst>
-                <a:cxn ang="0">
-                  <a:pos x="connsiteX0" y="connsiteY0"/>
-                </a:cxn>
-                <a:cxn ang="0">
-                  <a:pos x="connsiteX1" y="connsiteY1"/>
-                </a:cxn>
-                <a:cxn ang="0">
-                  <a:pos x="connsiteX2" y="connsiteY2"/>
-                </a:cxn>
-                <a:cxn ang="0">
-                  <a:pos x="connsiteX3" y="connsiteY3"/>
-                </a:cxn>
-              </a:cxnLst>
-              <a:rect l="l" t="t" r="r" b="b"/>
-              <a:pathLst>
-                <a:path w="2474752" h="2382474">
-                  <a:moveTo>
-                    <a:pt x="0" y="8389"/>
-                  </a:moveTo>
-                  <a:lnTo>
-                    <a:pt x="0" y="2382474"/>
-                  </a:lnTo>
-                  <a:lnTo>
-                    <a:pt x="2474752" y="2382474"/>
-                  </a:lnTo>
-                  <a:lnTo>
-                    <a:pt x="2474752" y="0"/>
-                  </a:lnTo>
-                </a:path>
-              </a:pathLst>
-            </a:custGeom>
-            <a:noFill/>
-            <a:ln w="38100">
+            </a:endParaRPr>
+          </a:p>
+        </p:txBody>
+      </p:sp>
+      <p:sp>
+        <p:nvSpPr>
+          <p:cNvPr id="30" name="Freeform 29"/>
+          <p:cNvSpPr/>
+          <p:nvPr/>
+        </p:nvSpPr>
+        <p:spPr>
+          <a:xfrm>
+            <a:off x="-220607" y="1882949"/>
+            <a:ext cx="2621293" cy="1993839"/>
+          </a:xfrm>
+          <a:custGeom>
+            <a:avLst/>
+            <a:gdLst>
+              <a:gd name="connsiteX0" fmla="*/ 0 w 2474752"/>
+              <a:gd name="connsiteY0" fmla="*/ 8389 h 2382474"/>
+              <a:gd name="connsiteX1" fmla="*/ 0 w 2474752"/>
+              <a:gd name="connsiteY1" fmla="*/ 2382474 h 2382474"/>
+              <a:gd name="connsiteX2" fmla="*/ 2474752 w 2474752"/>
+              <a:gd name="connsiteY2" fmla="*/ 2382474 h 2382474"/>
+              <a:gd name="connsiteX3" fmla="*/ 2474752 w 2474752"/>
+              <a:gd name="connsiteY3" fmla="*/ 0 h 2382474"/>
+            </a:gdLst>
+            <a:ahLst/>
+            <a:cxnLst>
+              <a:cxn ang="0">
+                <a:pos x="connsiteX0" y="connsiteY0"/>
+              </a:cxn>
+              <a:cxn ang="0">
+                <a:pos x="connsiteX1" y="connsiteY1"/>
+              </a:cxn>
+              <a:cxn ang="0">
+                <a:pos x="connsiteX2" y="connsiteY2"/>
+              </a:cxn>
+              <a:cxn ang="0">
+                <a:pos x="connsiteX3" y="connsiteY3"/>
+              </a:cxn>
+            </a:cxnLst>
+            <a:rect l="l" t="t" r="r" b="b"/>
+            <a:pathLst>
+              <a:path w="2474752" h="2382474">
+                <a:moveTo>
+                  <a:pt x="0" y="8389"/>
+                </a:moveTo>
+                <a:lnTo>
+                  <a:pt x="0" y="2382474"/>
+                </a:lnTo>
+                <a:lnTo>
+                  <a:pt x="2474752" y="2382474"/>
+                </a:lnTo>
+                <a:lnTo>
+                  <a:pt x="2474752" y="0"/>
+                </a:lnTo>
+              </a:path>
+            </a:pathLst>
+          </a:custGeom>
+          <a:noFill/>
+          <a:ln w="38100">
+            <a:solidFill>
+              <a:schemeClr val="tx1"/>
+            </a:solidFill>
+          </a:ln>
+        </p:spPr>
+        <p:style>
+          <a:lnRef idx="2">
+            <a:schemeClr val="accent1">
+              <a:shade val="50000"/>
+            </a:schemeClr>
+          </a:lnRef>
+          <a:fillRef idx="1">
+            <a:schemeClr val="accent1"/>
+          </a:fillRef>
+          <a:effectRef idx="0">
+            <a:schemeClr val="accent1"/>
+          </a:effectRef>
+          <a:fontRef idx="minor">
+            <a:schemeClr val="lt1"/>
+          </a:fontRef>
+        </p:style>
+        <p:txBody>
+          <a:bodyPr rtlCol="0" anchor="ctr"/>
+          <a:lstStyle/>
+          <a:p>
+            <a:pPr algn="ctr"/>
+            <a:endParaRPr lang="en-US">
               <a:solidFill>
                 <a:schemeClr val="tx1"/>
               </a:solidFill>
-            </a:ln>
-          </p:spPr>
-          <p:style>
-            <a:lnRef idx="2">
-              <a:schemeClr val="accent1">
-                <a:shade val="50000"/>
-              </a:schemeClr>
-            </a:lnRef>
-            <a:fillRef idx="1">
-              <a:schemeClr val="accent1"/>
-            </a:fillRef>
-            <a:effectRef idx="0">
-              <a:schemeClr val="accent1"/>
-            </a:effectRef>
-            <a:fontRef idx="minor">
-              <a:schemeClr val="lt1"/>
-            </a:fontRef>
-          </p:style>
-          <p:txBody>
-            <a:bodyPr rtlCol="0" anchor="ctr"/>
-            <a:lstStyle/>
-            <a:p>
-              <a:pPr algn="ctr"/>
-              <a:endParaRPr lang="en-US"/>
-            </a:p>
-          </p:txBody>
-        </p:sp>
-        <p:sp>
-          <p:nvSpPr>
-            <p:cNvPr id="30" name="Freeform 29"/>
-            <p:cNvSpPr/>
-            <p:nvPr/>
-          </p:nvSpPr>
-          <p:spPr>
-            <a:xfrm>
-              <a:off x="-220607" y="1882949"/>
-              <a:ext cx="2621293" cy="1993839"/>
-            </a:xfrm>
-            <a:custGeom>
-              <a:avLst/>
-              <a:gdLst>
-                <a:gd name="connsiteX0" fmla="*/ 0 w 2474752"/>
-                <a:gd name="connsiteY0" fmla="*/ 8389 h 2382474"/>
-                <a:gd name="connsiteX1" fmla="*/ 0 w 2474752"/>
-                <a:gd name="connsiteY1" fmla="*/ 2382474 h 2382474"/>
-                <a:gd name="connsiteX2" fmla="*/ 2474752 w 2474752"/>
-                <a:gd name="connsiteY2" fmla="*/ 2382474 h 2382474"/>
-                <a:gd name="connsiteX3" fmla="*/ 2474752 w 2474752"/>
-                <a:gd name="connsiteY3" fmla="*/ 0 h 2382474"/>
-              </a:gdLst>
-              <a:ahLst/>
-              <a:cxnLst>
-                <a:cxn ang="0">
-                  <a:pos x="connsiteX0" y="connsiteY0"/>
-                </a:cxn>
-                <a:cxn ang="0">
-                  <a:pos x="connsiteX1" y="connsiteY1"/>
-                </a:cxn>
-                <a:cxn ang="0">
-                  <a:pos x="connsiteX2" y="connsiteY2"/>
-                </a:cxn>
-                <a:cxn ang="0">
-                  <a:pos x="connsiteX3" y="connsiteY3"/>
-                </a:cxn>
-              </a:cxnLst>
-              <a:rect l="l" t="t" r="r" b="b"/>
-              <a:pathLst>
-                <a:path w="2474752" h="2382474">
-                  <a:moveTo>
-                    <a:pt x="0" y="8389"/>
-                  </a:moveTo>
-                  <a:lnTo>
-                    <a:pt x="0" y="2382474"/>
-                  </a:lnTo>
-                  <a:lnTo>
-                    <a:pt x="2474752" y="2382474"/>
-                  </a:lnTo>
-                  <a:lnTo>
-                    <a:pt x="2474752" y="0"/>
-                  </a:lnTo>
-                </a:path>
-              </a:pathLst>
-            </a:custGeom>
-            <a:noFill/>
-            <a:ln w="38100">
-              <a:solidFill>
-                <a:schemeClr val="tx1"/>
-              </a:solidFill>
-            </a:ln>
-          </p:spPr>
-          <p:style>
-            <a:lnRef idx="2">
-              <a:schemeClr val="accent1">
-                <a:shade val="50000"/>
-              </a:schemeClr>
-            </a:lnRef>
-            <a:fillRef idx="1">
-              <a:schemeClr val="accent1"/>
-            </a:fillRef>
-            <a:effectRef idx="0">
-              <a:schemeClr val="accent1"/>
-            </a:effectRef>
-            <a:fontRef idx="minor">
-              <a:schemeClr val="lt1"/>
-            </a:fontRef>
-          </p:style>
-          <p:txBody>
-            <a:bodyPr rtlCol="0" anchor="ctr"/>
-            <a:lstStyle/>
-            <a:p>
-              <a:pPr algn="ctr"/>
-              <a:endParaRPr lang="en-US"/>
-            </a:p>
-          </p:txBody>
-        </p:sp>
-      </p:grpSp>
+            </a:endParaRPr>
+          </a:p>
+        </p:txBody>
+      </p:sp>
     </p:spTree>
     <p:extLst>
       <p:ext uri="{BB962C8B-B14F-4D97-AF65-F5344CB8AC3E}">
